--- a/meta_analysis_presentationupdate.pptx
+++ b/meta_analysis_presentationupdate.pptx
@@ -198,7 +198,7 @@
           <a:p>
             <a:fld id="{F6DBB829-201C-F742-91D0-2E933E5C05B4}" type="datetimeFigureOut">
               <a:rPr kumimoji="1" lang="zh-TW" altLang="en-US" smtClean="0"/>
-              <a:t>2015/6/24</a:t>
+              <a:t>15/6/24</a:t>
             </a:fld>
             <a:endParaRPr kumimoji="1" lang="zh-TW" altLang="en-US"/>
           </a:p>
@@ -743,7 +743,7 @@
           <a:p>
             <a:fld id="{34B44E03-6E3C-DF43-AECF-F650D8A1CE7D}" type="datetimeFigureOut">
               <a:rPr kumimoji="1" lang="zh-TW" altLang="en-US" smtClean="0"/>
-              <a:t>2015/6/24</a:t>
+              <a:t>15/6/24</a:t>
             </a:fld>
             <a:endParaRPr kumimoji="1" lang="zh-TW" altLang="en-US"/>
           </a:p>
@@ -913,7 +913,7 @@
           <a:p>
             <a:fld id="{34B44E03-6E3C-DF43-AECF-F650D8A1CE7D}" type="datetimeFigureOut">
               <a:rPr kumimoji="1" lang="zh-TW" altLang="en-US" smtClean="0"/>
-              <a:t>2015/6/24</a:t>
+              <a:t>15/6/24</a:t>
             </a:fld>
             <a:endParaRPr kumimoji="1" lang="zh-TW" altLang="en-US"/>
           </a:p>
@@ -1093,7 +1093,7 @@
           <a:p>
             <a:fld id="{34B44E03-6E3C-DF43-AECF-F650D8A1CE7D}" type="datetimeFigureOut">
               <a:rPr kumimoji="1" lang="zh-TW" altLang="en-US" smtClean="0"/>
-              <a:t>2015/6/24</a:t>
+              <a:t>15/6/24</a:t>
             </a:fld>
             <a:endParaRPr kumimoji="1" lang="zh-TW" altLang="en-US"/>
           </a:p>
@@ -1263,7 +1263,7 @@
           <a:p>
             <a:fld id="{34B44E03-6E3C-DF43-AECF-F650D8A1CE7D}" type="datetimeFigureOut">
               <a:rPr kumimoji="1" lang="zh-TW" altLang="en-US" smtClean="0"/>
-              <a:t>2015/6/24</a:t>
+              <a:t>15/6/24</a:t>
             </a:fld>
             <a:endParaRPr kumimoji="1" lang="zh-TW" altLang="en-US"/>
           </a:p>
@@ -1509,7 +1509,7 @@
           <a:p>
             <a:fld id="{34B44E03-6E3C-DF43-AECF-F650D8A1CE7D}" type="datetimeFigureOut">
               <a:rPr kumimoji="1" lang="zh-TW" altLang="en-US" smtClean="0"/>
-              <a:t>2015/6/24</a:t>
+              <a:t>15/6/24</a:t>
             </a:fld>
             <a:endParaRPr kumimoji="1" lang="zh-TW" altLang="en-US"/>
           </a:p>
@@ -1797,7 +1797,7 @@
           <a:p>
             <a:fld id="{34B44E03-6E3C-DF43-AECF-F650D8A1CE7D}" type="datetimeFigureOut">
               <a:rPr kumimoji="1" lang="zh-TW" altLang="en-US" smtClean="0"/>
-              <a:t>2015/6/24</a:t>
+              <a:t>15/6/24</a:t>
             </a:fld>
             <a:endParaRPr kumimoji="1" lang="zh-TW" altLang="en-US"/>
           </a:p>
@@ -2219,7 +2219,7 @@
           <a:p>
             <a:fld id="{34B44E03-6E3C-DF43-AECF-F650D8A1CE7D}" type="datetimeFigureOut">
               <a:rPr kumimoji="1" lang="zh-TW" altLang="en-US" smtClean="0"/>
-              <a:t>2015/6/24</a:t>
+              <a:t>15/6/24</a:t>
             </a:fld>
             <a:endParaRPr kumimoji="1" lang="zh-TW" altLang="en-US"/>
           </a:p>
@@ -2337,7 +2337,7 @@
           <a:p>
             <a:fld id="{34B44E03-6E3C-DF43-AECF-F650D8A1CE7D}" type="datetimeFigureOut">
               <a:rPr kumimoji="1" lang="zh-TW" altLang="en-US" smtClean="0"/>
-              <a:t>2015/6/24</a:t>
+              <a:t>15/6/24</a:t>
             </a:fld>
             <a:endParaRPr kumimoji="1" lang="zh-TW" altLang="en-US"/>
           </a:p>
@@ -2432,7 +2432,7 @@
           <a:p>
             <a:fld id="{34B44E03-6E3C-DF43-AECF-F650D8A1CE7D}" type="datetimeFigureOut">
               <a:rPr kumimoji="1" lang="zh-TW" altLang="en-US" smtClean="0"/>
-              <a:t>2015/6/24</a:t>
+              <a:t>15/6/24</a:t>
             </a:fld>
             <a:endParaRPr kumimoji="1" lang="zh-TW" altLang="en-US"/>
           </a:p>
@@ -2709,7 +2709,7 @@
           <a:p>
             <a:fld id="{34B44E03-6E3C-DF43-AECF-F650D8A1CE7D}" type="datetimeFigureOut">
               <a:rPr kumimoji="1" lang="zh-TW" altLang="en-US" smtClean="0"/>
-              <a:t>2015/6/24</a:t>
+              <a:t>15/6/24</a:t>
             </a:fld>
             <a:endParaRPr kumimoji="1" lang="zh-TW" altLang="en-US"/>
           </a:p>
@@ -2962,7 +2962,7 @@
           <a:p>
             <a:fld id="{34B44E03-6E3C-DF43-AECF-F650D8A1CE7D}" type="datetimeFigureOut">
               <a:rPr kumimoji="1" lang="zh-TW" altLang="en-US" smtClean="0"/>
-              <a:t>2015/6/24</a:t>
+              <a:t>15/6/24</a:t>
             </a:fld>
             <a:endParaRPr kumimoji="1" lang="zh-TW" altLang="en-US"/>
           </a:p>
@@ -3175,7 +3175,7 @@
           <a:p>
             <a:fld id="{34B44E03-6E3C-DF43-AECF-F650D8A1CE7D}" type="datetimeFigureOut">
               <a:rPr kumimoji="1" lang="zh-TW" altLang="en-US" smtClean="0"/>
-              <a:t>2015/6/24</a:t>
+              <a:t>15/6/24</a:t>
             </a:fld>
             <a:endParaRPr kumimoji="1" lang="zh-TW" altLang="en-US"/>
           </a:p>
@@ -3634,45 +3634,7 @@
                   </a:outerShdw>
                 </a:effectLst>
               </a:rPr>
-              <a:t>Genomics: </a:t>
-            </a:r>
-            <a:r>
-              <a:rPr kumimoji="1" lang="en-US" altLang="zh-TW" sz="5400" b="1" dirty="0" smtClean="0">
-                <a:ln w="17780" cmpd="sng">
-                  <a:solidFill>
-                    <a:schemeClr val="accent1">
-                      <a:tint val="3000"/>
-                    </a:schemeClr>
-                  </a:solidFill>
-                  <a:prstDash val="solid"/>
-                  <a:miter lim="800000"/>
-                </a:ln>
-                <a:gradFill>
-                  <a:gsLst>
-                    <a:gs pos="10000">
-                      <a:schemeClr val="accent1">
-                        <a:tint val="63000"/>
-                        <a:sat val="105000"/>
-                      </a:schemeClr>
-                    </a:gs>
-                    <a:gs pos="90000">
-                      <a:schemeClr val="accent1">
-                        <a:shade val="50000"/>
-                        <a:satMod val="100000"/>
-                      </a:schemeClr>
-                    </a:gs>
-                  </a:gsLst>
-                  <a:lin ang="5400000"/>
-                </a:gradFill>
-                <a:effectLst>
-                  <a:outerShdw blurRad="55000" dist="50800" dir="5400000" algn="tl">
-                    <a:srgbClr val="000000">
-                      <a:alpha val="33000"/>
-                    </a:srgbClr>
-                  </a:outerShdw>
-                </a:effectLst>
-              </a:rPr>
-              <a:t>Meta-Analysis</a:t>
+              <a:t>Genomics: Meta-Analysis</a:t>
             </a:r>
             <a:endParaRPr kumimoji="1" lang="zh-TW" altLang="en-US" sz="5400" b="1" dirty="0">
               <a:ln w="17780" cmpd="sng">
@@ -3730,7 +3692,7 @@
         </p:spPr>
         <p:txBody>
           <a:bodyPr>
-            <a:normAutofit fontScale="85000" lnSpcReduction="10000"/>
+            <a:normAutofit fontScale="85000" lnSpcReduction="20000"/>
           </a:bodyPr>
           <a:lstStyle/>
           <a:p>
@@ -3760,15 +3722,7 @@
             </a:r>
             <a:r>
               <a:rPr kumimoji="1" lang="en-US" altLang="zh-TW" sz="2800" dirty="0" smtClean="0"/>
-              <a:t> (University of Missouri), </a:t>
-            </a:r>
-            <a:r>
-              <a:rPr kumimoji="1" lang="en-US" altLang="zh-TW" sz="2800" dirty="0" smtClean="0"/>
-              <a:t>Michael </a:t>
-            </a:r>
-            <a:r>
-              <a:rPr kumimoji="1" lang="en-US" altLang="zh-TW" sz="2800" dirty="0" smtClean="0"/>
-              <a:t>Thompson (</a:t>
+              <a:t> (University of Missouri), Michael Thompson (</a:t>
             </a:r>
             <a:r>
               <a:rPr kumimoji="1" lang="en-US" altLang="zh-TW" sz="2800" dirty="0" err="1" smtClean="0"/>
@@ -3778,19 +3732,14 @@
               <a:rPr kumimoji="1" lang="en-US" altLang="zh-TW" sz="2800" dirty="0" smtClean="0"/>
               <a:t> Amherst)</a:t>
             </a:r>
+          </a:p>
+          <a:p>
             <a:endParaRPr kumimoji="1" lang="en-US" altLang="zh-TW" sz="2800" dirty="0" smtClean="0"/>
           </a:p>
           <a:p>
-            <a:endParaRPr kumimoji="1" lang="en-US" altLang="zh-TW" sz="2800" dirty="0" smtClean="0"/>
-          </a:p>
-          <a:p>
             <a:r>
               <a:rPr kumimoji="1" lang="en-US" altLang="zh-TW" sz="2800" dirty="0" smtClean="0"/>
-              <a:t>Advising </a:t>
-            </a:r>
-            <a:r>
-              <a:rPr kumimoji="1" lang="en-US" altLang="zh-TW" sz="2800" dirty="0" smtClean="0"/>
-              <a:t>by: </a:t>
+              <a:t>Advising by: </a:t>
             </a:r>
             <a:r>
               <a:rPr kumimoji="1" lang="en-US" altLang="zh-TW" sz="2800" dirty="0" err="1" smtClean="0"/>
@@ -3833,7 +3782,7 @@
   <p:timing>
     <p:tnLst>
       <p:par>
-        <p:cTn id="1" dur="indefinite" restart="never" nodeType="tmRoot"/>
+        <p:cTn xmlns:p14="http://schemas.microsoft.com/office/powerpoint/2010/main" id="1" dur="indefinite" restart="never" nodeType="tmRoot"/>
       </p:par>
     </p:tnLst>
   </p:timing>
@@ -3967,22 +3916,12 @@
               <a:rPr kumimoji="1" lang="en-US" altLang="zh-TW" dirty="0" smtClean="0"/>
               <a:t>Meta-Analysis: Combining multiple independent studies together to create a larger data set to find patterns and derive new conclusions.</a:t>
             </a:r>
-            <a:endParaRPr kumimoji="1" lang="en-US" altLang="zh-TW" dirty="0" smtClean="0"/>
           </a:p>
           <a:p>
             <a:r>
               <a:rPr kumimoji="1" lang="en-US" altLang="zh-TW" dirty="0" smtClean="0"/>
-              <a:t>Genome-wide </a:t>
-            </a:r>
-            <a:r>
-              <a:rPr kumimoji="1" lang="en-US" altLang="zh-TW" dirty="0" smtClean="0"/>
-              <a:t>association studies (GWAS) on rare genetic </a:t>
-            </a:r>
-            <a:r>
-              <a:rPr kumimoji="1" lang="en-US" altLang="zh-TW" dirty="0" smtClean="0"/>
-              <a:t>variants</a:t>
-            </a:r>
-            <a:endParaRPr kumimoji="1" lang="en-US" altLang="zh-TW" dirty="0" smtClean="0"/>
+              <a:t>Genome-wide association studies (GWAS) on rare genetic variants</a:t>
+            </a:r>
           </a:p>
           <a:p>
             <a:endParaRPr kumimoji="1" lang="zh-TW" altLang="en-US" dirty="0"/>
@@ -4002,7 +3941,7 @@
   <p:timing>
     <p:tnLst>
       <p:par>
-        <p:cTn id="1" dur="indefinite" restart="never" nodeType="tmRoot"/>
+        <p:cTn xmlns:p14="http://schemas.microsoft.com/office/powerpoint/2010/main" id="1" dur="indefinite" restart="never" nodeType="tmRoot"/>
       </p:par>
     </p:tnLst>
   </p:timing>
@@ -5174,7 +5113,7 @@
       </p:graphicFrame>
       <p:pic>
         <p:nvPicPr>
-          <p:cNvPr id="14" name="圖片 13" descr="log_reg_power.png"/>
+          <p:cNvPr id="14" name="圖片 13"/>
           <p:cNvPicPr>
             <a:picLocks noChangeAspect="1"/>
           </p:cNvPicPr>
@@ -5195,7 +5134,7 @@
         <p:spPr>
           <a:xfrm>
             <a:off x="4467772" y="3470542"/>
-            <a:ext cx="4012982" cy="2938876"/>
+            <a:ext cx="4012982" cy="2938875"/>
           </a:xfrm>
           <a:prstGeom prst="rect">
             <a:avLst/>
@@ -5307,15 +5246,7 @@
                   <a:schemeClr val="bg1"/>
                 </a:solidFill>
               </a:rPr>
-              <a:t>Find Ideal </a:t>
-            </a:r>
-            <a:r>
-              <a:rPr kumimoji="1" lang="en-US" altLang="zh-TW" dirty="0" smtClean="0">
-                <a:solidFill>
-                  <a:schemeClr val="bg1"/>
-                </a:solidFill>
-              </a:rPr>
-              <a:t>test</a:t>
+              <a:t>Find Ideal test</a:t>
             </a:r>
           </a:p>
           <a:p>
@@ -5405,13 +5336,26 @@
           <a:p>
             <a:pPr algn="ctr"/>
             <a:r>
+              <a:rPr kumimoji="1" lang="en-US" altLang="zh-TW" dirty="0">
+                <a:solidFill>
+                  <a:schemeClr val="tx1"/>
+                </a:solidFill>
+              </a:rPr>
+              <a:t>P</a:t>
+            </a:r>
+            <a:r>
               <a:rPr kumimoji="1" lang="en-US" altLang="zh-TW" dirty="0" smtClean="0">
                 <a:solidFill>
                   <a:schemeClr val="tx1"/>
                 </a:solidFill>
               </a:rPr>
-              <a:t>-parameters</a:t>
-            </a:r>
+              <a:t>arameters</a:t>
+            </a:r>
+            <a:endParaRPr kumimoji="1" lang="en-US" altLang="zh-TW" dirty="0" smtClean="0">
+              <a:solidFill>
+                <a:schemeClr val="tx1"/>
+              </a:solidFill>
+            </a:endParaRPr>
           </a:p>
           <a:p>
             <a:pPr algn="ctr"/>
@@ -5421,20 +5365,17 @@
                   <a:schemeClr val="tx1"/>
                 </a:solidFill>
               </a:rPr>
-              <a:t>-weights</a:t>
-            </a:r>
-          </a:p>
-          <a:p>
-            <a:pPr algn="ctr"/>
+              <a:t>W</a:t>
+            </a:r>
             <a:r>
               <a:rPr kumimoji="1" lang="en-US" altLang="zh-TW" dirty="0" smtClean="0">
                 <a:solidFill>
                   <a:schemeClr val="tx1"/>
                 </a:solidFill>
               </a:rPr>
-              <a:t>-minimization</a:t>
-            </a:r>
-            <a:endParaRPr kumimoji="1" lang="zh-TW" altLang="en-US" dirty="0">
+              <a:t>eights</a:t>
+            </a:r>
+            <a:endParaRPr kumimoji="1" lang="en-US" altLang="zh-TW" dirty="0" smtClean="0">
               <a:solidFill>
                 <a:schemeClr val="tx1"/>
               </a:solidFill>
@@ -5485,7 +5426,7 @@
   <p:timing>
     <p:tnLst>
       <p:par>
-        <p:cTn id="1" dur="indefinite" restart="never" nodeType="tmRoot"/>
+        <p:cTn xmlns:p14="http://schemas.microsoft.com/office/powerpoint/2010/main" id="1" dur="indefinite" restart="never" nodeType="tmRoot"/>
       </p:par>
     </p:tnLst>
   </p:timing>
@@ -5519,7 +5460,7 @@
             <p:ph idx="1"/>
           </p:nvPr>
         </p:nvPicPr>
-        <p:blipFill rotWithShape="1">
+        <p:blipFill>
           <a:blip r:embed="rId2">
             <a:extLst>
               <a:ext uri="{28A0092B-C50C-407E-A947-70E740481C1C}">
@@ -5527,13 +5468,14 @@
               </a:ext>
             </a:extLst>
           </a:blip>
-          <a:srcRect l="-2199" t="-1665" r="6555" b="1665"/>
-          <a:stretch/>
+          <a:stretch>
+            <a:fillRect/>
+          </a:stretch>
         </p:blipFill>
         <p:spPr>
           <a:xfrm>
-            <a:off x="168307" y="0"/>
-            <a:ext cx="8400010" cy="6431810"/>
+            <a:off x="0" y="23050"/>
+            <a:ext cx="9164711" cy="6711703"/>
           </a:xfrm>
         </p:spPr>
       </p:pic>
@@ -5550,7 +5492,7 @@
   <p:timing>
     <p:tnLst>
       <p:par>
-        <p:cTn id="1" dur="indefinite" restart="never" nodeType="tmRoot"/>
+        <p:cTn xmlns:p14="http://schemas.microsoft.com/office/powerpoint/2010/main" id="1" dur="indefinite" restart="never" nodeType="tmRoot"/>
       </p:par>
     </p:tnLst>
   </p:timing>
@@ -5682,33 +5624,19 @@
           <a:p>
             <a:r>
               <a:rPr kumimoji="1" lang="en-US" altLang="zh-TW" dirty="0" smtClean="0"/>
-              <a:t>Statistical coding language R</a:t>
-            </a:r>
+              <a:t>Statistical coding language R </a:t>
+            </a:r>
+          </a:p>
+          <a:p>
             <a:r>
               <a:rPr kumimoji="1" lang="en-US" altLang="zh-TW" dirty="0" smtClean="0"/>
-              <a:t> </a:t>
-            </a:r>
-            <a:endParaRPr kumimoji="1" lang="en-US" altLang="zh-TW" dirty="0" smtClean="0"/>
+              <a:t>Creating/simulating a human genome</a:t>
+            </a:r>
           </a:p>
           <a:p>
             <a:r>
               <a:rPr kumimoji="1" lang="en-US" altLang="zh-TW" dirty="0" smtClean="0"/>
-              <a:t>Creating/s</a:t>
-            </a:r>
-            <a:r>
-              <a:rPr kumimoji="1" lang="en-US" altLang="zh-TW" dirty="0" smtClean="0"/>
-              <a:t>imulating a human genome</a:t>
-            </a:r>
-            <a:endParaRPr kumimoji="1" lang="en-US" altLang="zh-TW" dirty="0" smtClean="0"/>
-          </a:p>
-          <a:p>
-            <a:r>
-              <a:rPr kumimoji="1" lang="en-US" altLang="zh-TW" dirty="0" smtClean="0"/>
-              <a:t>Statistical </a:t>
-            </a:r>
-            <a:r>
-              <a:rPr kumimoji="1" lang="en-US" altLang="zh-TW" dirty="0" smtClean="0"/>
-              <a:t>methods</a:t>
+              <a:t>Statistical methods</a:t>
             </a:r>
             <a:r>
               <a:rPr kumimoji="1" lang="en-US" altLang="zh-TW" dirty="0"/>
@@ -5730,7 +5658,6 @@
               <a:rPr kumimoji="1" lang="en-US" altLang="zh-TW" dirty="0" smtClean="0"/>
               <a:t>Simulating power tests takes a long time</a:t>
             </a:r>
-            <a:endParaRPr kumimoji="1" lang="en-US" altLang="zh-TW" dirty="0" smtClean="0"/>
           </a:p>
           <a:p>
             <a:endParaRPr kumimoji="1" lang="zh-TW" altLang="en-US" dirty="0"/>
@@ -5750,7 +5677,7 @@
   <p:timing>
     <p:tnLst>
       <p:par>
-        <p:cTn id="1" dur="indefinite" restart="never" nodeType="tmRoot"/>
+        <p:cTn xmlns:p14="http://schemas.microsoft.com/office/powerpoint/2010/main" id="1" dur="indefinite" restart="never" nodeType="tmRoot"/>
       </p:par>
     </p:tnLst>
   </p:timing>
@@ -5897,7 +5824,7 @@
   <p:timing>
     <p:tnLst>
       <p:par>
-        <p:cTn id="1" dur="indefinite" restart="never" nodeType="tmRoot"/>
+        <p:cTn xmlns:p14="http://schemas.microsoft.com/office/powerpoint/2010/main" id="1" dur="indefinite" restart="never" nodeType="tmRoot"/>
       </p:par>
     </p:tnLst>
   </p:timing>

--- a/meta_analysis_presentationupdate.pptx
+++ b/meta_analysis_presentationupdate.pptx
@@ -3965,6 +3965,32 @@
           <a:chExt cx="0" cy="0"/>
         </a:xfrm>
       </p:grpSpPr>
+      <p:pic>
+        <p:nvPicPr>
+          <p:cNvPr id="4" name="圖片 3"/>
+          <p:cNvPicPr>
+            <a:picLocks noChangeAspect="1"/>
+          </p:cNvPicPr>
+          <p:nvPr/>
+        </p:nvPicPr>
+        <p:blipFill>
+          <a:blip r:embed="rId2">
+            <a:alphaModFix amt="24000"/>
+          </a:blip>
+          <a:stretch>
+            <a:fillRect/>
+          </a:stretch>
+        </p:blipFill>
+        <p:spPr>
+          <a:xfrm>
+            <a:off x="0" y="4241800"/>
+            <a:ext cx="9144000" cy="3977640"/>
+          </a:xfrm>
+          <a:prstGeom prst="rect">
+            <a:avLst/>
+          </a:prstGeom>
+        </p:spPr>
+      </p:pic>
       <p:sp>
         <p:nvSpPr>
           <p:cNvPr id="2" name="Title 1"/>
@@ -4120,6 +4146,13 @@
   <p:clrMapOvr>
     <a:masterClrMapping/>
   </p:clrMapOvr>
+  <p:timing>
+    <p:tnLst>
+      <p:par>
+        <p:cTn xmlns:p14="http://schemas.microsoft.com/office/powerpoint/2010/main" id="1" dur="indefinite" restart="never" nodeType="tmRoot"/>
+      </p:par>
+    </p:tnLst>
+  </p:timing>
 </p:sld>
 </file>
 
@@ -4944,23 +4977,23 @@
           <p:nvPr>
             <p:extLst>
               <p:ext uri="{D42A27DB-BD31-4B8C-83A1-F6EECF244321}">
-                <p14:modId xmlns:p14="http://schemas.microsoft.com/office/powerpoint/2010/main" val="2928749390"/>
+                <p14:modId xmlns:p14="http://schemas.microsoft.com/office/powerpoint/2010/main" val="351848862"/>
               </p:ext>
             </p:extLst>
           </p:nvPr>
         </p:nvGraphicFramePr>
         <p:xfrm>
-          <a:off x="5018130" y="1654635"/>
-          <a:ext cx="1993900" cy="1399604"/>
+          <a:off x="4865730" y="1417638"/>
+          <a:ext cx="2385970" cy="1746140"/>
         </p:xfrm>
         <a:graphic>
           <a:graphicData uri="http://schemas.openxmlformats.org/drawingml/2006/table">
             <a:tbl>
               <a:tblPr/>
               <a:tblGrid>
-                <a:gridCol w="1993900"/>
+                <a:gridCol w="2385970"/>
               </a:tblGrid>
-              <a:tr h="349901">
+              <a:tr h="436535">
                 <a:tc>
                   <a:txBody>
                     <a:bodyPr/>
@@ -4968,7 +5001,7 @@
                     <a:p>
                       <a:pPr algn="l" fontAlgn="b"/>
                       <a:r>
-                        <a:rPr lang="en-US" sz="1200" b="0" i="0" u="none" strike="noStrike" dirty="0">
+                        <a:rPr lang="en-US" sz="1400" b="0" i="0" u="none" strike="noStrike" dirty="0">
                           <a:solidFill>
                             <a:srgbClr val="000000"/>
                           </a:solidFill>
@@ -4995,7 +5028,7 @@
                   </a:tcPr>
                 </a:tc>
               </a:tr>
-              <a:tr h="349901">
+              <a:tr h="436535">
                 <a:tc>
                   <a:txBody>
                     <a:bodyPr/>
@@ -5003,7 +5036,7 @@
                     <a:p>
                       <a:pPr algn="l" fontAlgn="b"/>
                       <a:r>
-                        <a:rPr lang="en-US" sz="1200" b="0" i="0" u="none" strike="noStrike">
+                        <a:rPr lang="en-US" sz="1400" b="0" i="0" u="none" strike="noStrike" dirty="0">
                           <a:solidFill>
                             <a:srgbClr val="000000"/>
                           </a:solidFill>
@@ -5030,7 +5063,7 @@
                   </a:tcPr>
                 </a:tc>
               </a:tr>
-              <a:tr h="349901">
+              <a:tr h="436535">
                 <a:tc>
                   <a:txBody>
                     <a:bodyPr/>
@@ -5038,7 +5071,7 @@
                     <a:p>
                       <a:pPr algn="l" fontAlgn="b"/>
                       <a:r>
-                        <a:rPr lang="en-US" sz="1200" b="0" i="0" u="none" strike="noStrike">
+                        <a:rPr lang="en-US" sz="1400" b="0" i="0" u="none" strike="noStrike" dirty="0">
                           <a:solidFill>
                             <a:srgbClr val="000000"/>
                           </a:solidFill>
@@ -5065,7 +5098,7 @@
                   </a:tcPr>
                 </a:tc>
               </a:tr>
-              <a:tr h="349901">
+              <a:tr h="436535">
                 <a:tc>
                   <a:txBody>
                     <a:bodyPr/>
@@ -5073,7 +5106,7 @@
                     <a:p>
                       <a:pPr algn="l" fontAlgn="b"/>
                       <a:r>
-                        <a:rPr lang="en-US" sz="1200" b="0" i="0" u="none" strike="noStrike" dirty="0" smtClean="0">
+                        <a:rPr lang="en-US" sz="1400" b="0" i="0" u="none" strike="noStrike" dirty="0" smtClean="0">
                           <a:solidFill>
                             <a:srgbClr val="000000"/>
                           </a:solidFill>
@@ -5082,7 +5115,7 @@
                         </a:rPr>
                         <a:t>Fisher’s Exact Test</a:t>
                       </a:r>
-                      <a:endParaRPr lang="en-US" sz="1200" b="0" i="0" u="none" strike="noStrike" dirty="0">
+                      <a:endParaRPr lang="en-US" sz="1400" b="0" i="0" u="none" strike="noStrike" dirty="0">
                         <a:solidFill>
                           <a:srgbClr val="000000"/>
                         </a:solidFill>
@@ -5134,7 +5167,7 @@
         <p:spPr>
           <a:xfrm>
             <a:off x="4467772" y="3470542"/>
-            <a:ext cx="4012982" cy="2938875"/>
+            <a:ext cx="4012981" cy="2938875"/>
           </a:xfrm>
           <a:prstGeom prst="rect">
             <a:avLst/>
@@ -5351,11 +5384,6 @@
               </a:rPr>
               <a:t>arameters</a:t>
             </a:r>
-            <a:endParaRPr kumimoji="1" lang="en-US" altLang="zh-TW" dirty="0" smtClean="0">
-              <a:solidFill>
-                <a:schemeClr val="tx1"/>
-              </a:solidFill>
-            </a:endParaRPr>
           </a:p>
           <a:p>
             <a:pPr algn="ctr"/>
@@ -5365,21 +5393,8 @@
                   <a:schemeClr val="tx1"/>
                 </a:solidFill>
               </a:rPr>
-              <a:t>W</a:t>
-            </a:r>
-            <a:r>
-              <a:rPr kumimoji="1" lang="en-US" altLang="zh-TW" dirty="0" smtClean="0">
-                <a:solidFill>
-                  <a:schemeClr val="tx1"/>
-                </a:solidFill>
-              </a:rPr>
-              <a:t>eights</a:t>
-            </a:r>
-            <a:endParaRPr kumimoji="1" lang="en-US" altLang="zh-TW" dirty="0" smtClean="0">
-              <a:solidFill>
-                <a:schemeClr val="tx1"/>
-              </a:solidFill>
-            </a:endParaRPr>
+              <a:t>Weights</a:t>
+            </a:r>
           </a:p>
         </p:txBody>
       </p:sp>
@@ -5516,6 +5531,32 @@
           <a:chExt cx="0" cy="0"/>
         </a:xfrm>
       </p:grpSpPr>
+      <p:pic>
+        <p:nvPicPr>
+          <p:cNvPr id="4" name="圖片 3"/>
+          <p:cNvPicPr>
+            <a:picLocks noChangeAspect="1"/>
+          </p:cNvPicPr>
+          <p:nvPr/>
+        </p:nvPicPr>
+        <p:blipFill>
+          <a:blip r:embed="rId2">
+            <a:alphaModFix amt="30000"/>
+          </a:blip>
+          <a:stretch>
+            <a:fillRect/>
+          </a:stretch>
+        </p:blipFill>
+        <p:spPr>
+          <a:xfrm>
+            <a:off x="5765800" y="139700"/>
+            <a:ext cx="3187700" cy="3187700"/>
+          </a:xfrm>
+          <a:prstGeom prst="rect">
+            <a:avLst/>
+          </a:prstGeom>
+        </p:spPr>
+      </p:pic>
       <p:sp>
         <p:nvSpPr>
           <p:cNvPr id="2" name="標題 1"/>
